--- a/Presentation_and_informational_files/Project_4 Presentation_Final.pptx
+++ b/Presentation_and_informational_files/Project_4 Presentation_Final.pptx
@@ -857,13 +857,13 @@
   <p:clrMapOvr>
     <a:masterClrMapping/>
   </p:clrMapOvr>
-  <mc:AlternateContent xmlns:mc="http://schemas.openxmlformats.org/markup-compatibility/2006">
-    <mc:Choice xmlns:p14="http://schemas.microsoft.com/office/powerpoint/2010/main" Requires="p14">
+  <mc:AlternateContent xmlns:mc="http://schemas.openxmlformats.org/markup-compatibility/2006" xmlns:p14="http://schemas.microsoft.com/office/powerpoint/2010/main">
+    <mc:Choice Requires="p14">
       <p:transition spd="slow">
         <p14:vortex dir="r"/>
       </p:transition>
     </mc:Choice>
-    <mc:Fallback>
+    <mc:Fallback xmlns="">
       <p:transition spd="slow">
         <p:fade/>
       </p:transition>
@@ -1067,13 +1067,13 @@
   <p:clrMapOvr>
     <a:masterClrMapping/>
   </p:clrMapOvr>
-  <mc:AlternateContent xmlns:mc="http://schemas.openxmlformats.org/markup-compatibility/2006">
-    <mc:Choice xmlns:p14="http://schemas.microsoft.com/office/powerpoint/2010/main" Requires="p14">
+  <mc:AlternateContent xmlns:mc="http://schemas.openxmlformats.org/markup-compatibility/2006" xmlns:p14="http://schemas.microsoft.com/office/powerpoint/2010/main">
+    <mc:Choice Requires="p14">
       <p:transition spd="slow">
         <p14:vortex dir="r"/>
       </p:transition>
     </mc:Choice>
-    <mc:Fallback>
+    <mc:Fallback xmlns="">
       <p:transition spd="slow">
         <p:fade/>
       </p:transition>
@@ -1287,13 +1287,13 @@
   <p:clrMapOvr>
     <a:masterClrMapping/>
   </p:clrMapOvr>
-  <mc:AlternateContent xmlns:mc="http://schemas.openxmlformats.org/markup-compatibility/2006">
-    <mc:Choice xmlns:p14="http://schemas.microsoft.com/office/powerpoint/2010/main" Requires="p14">
+  <mc:AlternateContent xmlns:mc="http://schemas.openxmlformats.org/markup-compatibility/2006" xmlns:p14="http://schemas.microsoft.com/office/powerpoint/2010/main">
+    <mc:Choice Requires="p14">
       <p:transition spd="slow">
         <p14:vortex dir="r"/>
       </p:transition>
     </mc:Choice>
-    <mc:Fallback>
+    <mc:Fallback xmlns="">
       <p:transition spd="slow">
         <p:fade/>
       </p:transition>
@@ -1497,13 +1497,13 @@
   <p:clrMapOvr>
     <a:masterClrMapping/>
   </p:clrMapOvr>
-  <mc:AlternateContent xmlns:mc="http://schemas.openxmlformats.org/markup-compatibility/2006">
-    <mc:Choice xmlns:p14="http://schemas.microsoft.com/office/powerpoint/2010/main" Requires="p14">
+  <mc:AlternateContent xmlns:mc="http://schemas.openxmlformats.org/markup-compatibility/2006" xmlns:p14="http://schemas.microsoft.com/office/powerpoint/2010/main">
+    <mc:Choice Requires="p14">
       <p:transition spd="slow">
         <p14:vortex dir="r"/>
       </p:transition>
     </mc:Choice>
-    <mc:Fallback>
+    <mc:Fallback xmlns="">
       <p:transition spd="slow">
         <p:fade/>
       </p:transition>
@@ -1784,13 +1784,13 @@
   <p:clrMapOvr>
     <a:masterClrMapping/>
   </p:clrMapOvr>
-  <mc:AlternateContent xmlns:mc="http://schemas.openxmlformats.org/markup-compatibility/2006">
-    <mc:Choice xmlns:p14="http://schemas.microsoft.com/office/powerpoint/2010/main" Requires="p14">
+  <mc:AlternateContent xmlns:mc="http://schemas.openxmlformats.org/markup-compatibility/2006" xmlns:p14="http://schemas.microsoft.com/office/powerpoint/2010/main">
+    <mc:Choice Requires="p14">
       <p:transition spd="slow">
         <p14:vortex dir="r"/>
       </p:transition>
     </mc:Choice>
-    <mc:Fallback>
+    <mc:Fallback xmlns="">
       <p:transition spd="slow">
         <p:fade/>
       </p:transition>
@@ -2061,13 +2061,13 @@
   <p:clrMapOvr>
     <a:masterClrMapping/>
   </p:clrMapOvr>
-  <mc:AlternateContent xmlns:mc="http://schemas.openxmlformats.org/markup-compatibility/2006">
-    <mc:Choice xmlns:p14="http://schemas.microsoft.com/office/powerpoint/2010/main" Requires="p14">
+  <mc:AlternateContent xmlns:mc="http://schemas.openxmlformats.org/markup-compatibility/2006" xmlns:p14="http://schemas.microsoft.com/office/powerpoint/2010/main">
+    <mc:Choice Requires="p14">
       <p:transition spd="slow">
         <p14:vortex dir="r"/>
       </p:transition>
     </mc:Choice>
-    <mc:Fallback>
+    <mc:Fallback xmlns="">
       <p:transition spd="slow">
         <p:fade/>
       </p:transition>
@@ -2485,13 +2485,13 @@
   <p:clrMapOvr>
     <a:masterClrMapping/>
   </p:clrMapOvr>
-  <mc:AlternateContent xmlns:mc="http://schemas.openxmlformats.org/markup-compatibility/2006">
-    <mc:Choice xmlns:p14="http://schemas.microsoft.com/office/powerpoint/2010/main" Requires="p14">
+  <mc:AlternateContent xmlns:mc="http://schemas.openxmlformats.org/markup-compatibility/2006" xmlns:p14="http://schemas.microsoft.com/office/powerpoint/2010/main">
+    <mc:Choice Requires="p14">
       <p:transition spd="slow">
         <p14:vortex dir="r"/>
       </p:transition>
     </mc:Choice>
-    <mc:Fallback>
+    <mc:Fallback xmlns="">
       <p:transition spd="slow">
         <p:fade/>
       </p:transition>
@@ -2638,13 +2638,13 @@
   <p:clrMapOvr>
     <a:masterClrMapping/>
   </p:clrMapOvr>
-  <mc:AlternateContent xmlns:mc="http://schemas.openxmlformats.org/markup-compatibility/2006">
-    <mc:Choice xmlns:p14="http://schemas.microsoft.com/office/powerpoint/2010/main" Requires="p14">
+  <mc:AlternateContent xmlns:mc="http://schemas.openxmlformats.org/markup-compatibility/2006" xmlns:p14="http://schemas.microsoft.com/office/powerpoint/2010/main">
+    <mc:Choice Requires="p14">
       <p:transition spd="slow">
         <p14:vortex dir="r"/>
       </p:transition>
     </mc:Choice>
-    <mc:Fallback>
+    <mc:Fallback xmlns="">
       <p:transition spd="slow">
         <p:fade/>
       </p:transition>
@@ -2763,13 +2763,13 @@
   <p:clrMapOvr>
     <a:masterClrMapping/>
   </p:clrMapOvr>
-  <mc:AlternateContent xmlns:mc="http://schemas.openxmlformats.org/markup-compatibility/2006">
-    <mc:Choice xmlns:p14="http://schemas.microsoft.com/office/powerpoint/2010/main" Requires="p14">
+  <mc:AlternateContent xmlns:mc="http://schemas.openxmlformats.org/markup-compatibility/2006" xmlns:p14="http://schemas.microsoft.com/office/powerpoint/2010/main">
+    <mc:Choice Requires="p14">
       <p:transition spd="slow">
         <p14:vortex dir="r"/>
       </p:transition>
     </mc:Choice>
-    <mc:Fallback>
+    <mc:Fallback xmlns="">
       <p:transition spd="slow">
         <p:fade/>
       </p:transition>
@@ -3086,13 +3086,13 @@
   <p:clrMapOvr>
     <a:masterClrMapping/>
   </p:clrMapOvr>
-  <mc:AlternateContent xmlns:mc="http://schemas.openxmlformats.org/markup-compatibility/2006">
-    <mc:Choice xmlns:p14="http://schemas.microsoft.com/office/powerpoint/2010/main" Requires="p14">
+  <mc:AlternateContent xmlns:mc="http://schemas.openxmlformats.org/markup-compatibility/2006" xmlns:p14="http://schemas.microsoft.com/office/powerpoint/2010/main">
+    <mc:Choice Requires="p14">
       <p:transition spd="slow">
         <p14:vortex dir="r"/>
       </p:transition>
     </mc:Choice>
-    <mc:Fallback>
+    <mc:Fallback xmlns="">
       <p:transition spd="slow">
         <p:fade/>
       </p:transition>
@@ -3386,13 +3386,13 @@
   <p:clrMapOvr>
     <a:masterClrMapping/>
   </p:clrMapOvr>
-  <mc:AlternateContent xmlns:mc="http://schemas.openxmlformats.org/markup-compatibility/2006">
-    <mc:Choice xmlns:p14="http://schemas.microsoft.com/office/powerpoint/2010/main" Requires="p14">
+  <mc:AlternateContent xmlns:mc="http://schemas.openxmlformats.org/markup-compatibility/2006" xmlns:p14="http://schemas.microsoft.com/office/powerpoint/2010/main">
+    <mc:Choice Requires="p14">
       <p:transition spd="slow">
         <p14:vortex dir="r"/>
       </p:transition>
     </mc:Choice>
-    <mc:Fallback>
+    <mc:Fallback xmlns="">
       <p:transition spd="slow">
         <p:fade/>
       </p:transition>
@@ -3686,13 +3686,13 @@
     <p:sldLayoutId id="2147483658" r:id="rId10"/>
     <p:sldLayoutId id="2147483659" r:id="rId11"/>
   </p:sldLayoutIdLst>
-  <mc:AlternateContent xmlns:mc="http://schemas.openxmlformats.org/markup-compatibility/2006">
-    <mc:Choice xmlns:p14="http://schemas.microsoft.com/office/powerpoint/2010/main" Requires="p14">
+  <mc:AlternateContent xmlns:mc="http://schemas.openxmlformats.org/markup-compatibility/2006" xmlns:p14="http://schemas.microsoft.com/office/powerpoint/2010/main">
+    <mc:Choice Requires="p14">
       <p:transition spd="slow">
         <p14:vortex dir="r"/>
       </p:transition>
     </mc:Choice>
-    <mc:Fallback>
+    <mc:Fallback xmlns="">
       <p:transition spd="slow">
         <p:fade/>
       </p:transition>
@@ -4558,13 +4558,13 @@
   <p:clrMapOvr>
     <a:masterClrMapping/>
   </p:clrMapOvr>
-  <mc:AlternateContent xmlns:mc="http://schemas.openxmlformats.org/markup-compatibility/2006">
-    <mc:Choice xmlns:p14="http://schemas.microsoft.com/office/powerpoint/2010/main" Requires="p14">
+  <mc:AlternateContent xmlns:mc="http://schemas.openxmlformats.org/markup-compatibility/2006" xmlns:p14="http://schemas.microsoft.com/office/powerpoint/2010/main">
+    <mc:Choice Requires="p14">
       <p:transition spd="slow">
         <p14:vortex dir="r"/>
       </p:transition>
     </mc:Choice>
-    <mc:Fallback>
+    <mc:Fallback xmlns="">
       <p:transition spd="slow">
         <p:fade/>
       </p:transition>
@@ -6287,13 +6287,13 @@
   <p:clrMapOvr>
     <a:masterClrMapping/>
   </p:clrMapOvr>
-  <mc:AlternateContent xmlns:mc="http://schemas.openxmlformats.org/markup-compatibility/2006">
-    <mc:Choice xmlns:p14="http://schemas.microsoft.com/office/powerpoint/2010/main" Requires="p14">
+  <mc:AlternateContent xmlns:mc="http://schemas.openxmlformats.org/markup-compatibility/2006" xmlns:p14="http://schemas.microsoft.com/office/powerpoint/2010/main">
+    <mc:Choice Requires="p14">
       <p:transition spd="slow">
         <p14:vortex dir="r"/>
       </p:transition>
     </mc:Choice>
-    <mc:Fallback>
+    <mc:Fallback xmlns="">
       <p:transition spd="slow">
         <p:fade/>
       </p:transition>
@@ -7846,13 +7846,13 @@
   <p:clrMapOvr>
     <a:masterClrMapping/>
   </p:clrMapOvr>
-  <mc:AlternateContent xmlns:mc="http://schemas.openxmlformats.org/markup-compatibility/2006">
-    <mc:Choice xmlns:p14="http://schemas.microsoft.com/office/powerpoint/2010/main" Requires="p14">
+  <mc:AlternateContent xmlns:mc="http://schemas.openxmlformats.org/markup-compatibility/2006" xmlns:p14="http://schemas.microsoft.com/office/powerpoint/2010/main">
+    <mc:Choice Requires="p14">
       <p:transition spd="slow">
         <p14:vortex dir="r"/>
       </p:transition>
     </mc:Choice>
-    <mc:Fallback>
+    <mc:Fallback xmlns="">
       <p:transition spd="slow">
         <p:fade/>
       </p:transition>
@@ -9459,13 +9459,13 @@
   <p:clrMapOvr>
     <a:masterClrMapping/>
   </p:clrMapOvr>
-  <mc:AlternateContent xmlns:mc="http://schemas.openxmlformats.org/markup-compatibility/2006">
-    <mc:Choice xmlns:p14="http://schemas.microsoft.com/office/powerpoint/2010/main" Requires="p14">
+  <mc:AlternateContent xmlns:mc="http://schemas.openxmlformats.org/markup-compatibility/2006" xmlns:p14="http://schemas.microsoft.com/office/powerpoint/2010/main">
+    <mc:Choice Requires="p14">
       <p:transition spd="slow">
         <p14:vortex dir="r"/>
       </p:transition>
     </mc:Choice>
-    <mc:Fallback>
+    <mc:Fallback xmlns="">
       <p:transition spd="slow">
         <p:fade/>
       </p:transition>
@@ -11046,13 +11046,13 @@
   <p:clrMapOvr>
     <a:masterClrMapping/>
   </p:clrMapOvr>
-  <mc:AlternateContent xmlns:mc="http://schemas.openxmlformats.org/markup-compatibility/2006">
-    <mc:Choice xmlns:p14="http://schemas.microsoft.com/office/powerpoint/2010/main" Requires="p14">
+  <mc:AlternateContent xmlns:mc="http://schemas.openxmlformats.org/markup-compatibility/2006" xmlns:p14="http://schemas.microsoft.com/office/powerpoint/2010/main">
+    <mc:Choice Requires="p14">
       <p:transition spd="slow">
         <p14:vortex dir="r"/>
       </p:transition>
     </mc:Choice>
-    <mc:Fallback>
+    <mc:Fallback xmlns="">
       <p:transition spd="slow">
         <p:fade/>
       </p:transition>
@@ -12463,8 +12463,13 @@
             </a:pPr>
             <a:r>
               <a:rPr lang="en-US" sz="1200" dirty="0"/>
-              <a:t>Deep Learning models were made for all 4 Loan Groups with the same model design. The models used actual numerical data as opposed to transformed dummy data.</a:t>
+              <a:t>Deep Learning models were made for all 4 Loan Groups with the same model design. We first modeled transformed dummy data and later got much higher accuracy scores with actual </a:t>
             </a:r>
+            <a:r>
+              <a:rPr lang="en-US" sz="1200"/>
+              <a:t>numerical data.</a:t>
+            </a:r>
+            <a:endParaRPr lang="en-US" sz="1200" dirty="0"/>
           </a:p>
           <a:p>
             <a:pPr marL="285750" indent="-228600" algn="just">
@@ -12681,13 +12686,13 @@
   <p:clrMapOvr>
     <a:masterClrMapping/>
   </p:clrMapOvr>
-  <mc:AlternateContent xmlns:mc="http://schemas.openxmlformats.org/markup-compatibility/2006">
-    <mc:Choice xmlns:p14="http://schemas.microsoft.com/office/powerpoint/2010/main" Requires="p14">
+  <mc:AlternateContent xmlns:mc="http://schemas.openxmlformats.org/markup-compatibility/2006" xmlns:p14="http://schemas.microsoft.com/office/powerpoint/2010/main">
+    <mc:Choice Requires="p14">
       <p:transition spd="slow">
         <p14:vortex dir="r"/>
       </p:transition>
     </mc:Choice>
-    <mc:Fallback>
+    <mc:Fallback xmlns="">
       <p:transition spd="slow">
         <p:fade/>
       </p:transition>
@@ -15040,13 +15045,13 @@
   <p:clrMapOvr>
     <a:masterClrMapping/>
   </p:clrMapOvr>
-  <mc:AlternateContent xmlns:mc="http://schemas.openxmlformats.org/markup-compatibility/2006">
-    <mc:Choice xmlns:p14="http://schemas.microsoft.com/office/powerpoint/2010/main" Requires="p14">
+  <mc:AlternateContent xmlns:mc="http://schemas.openxmlformats.org/markup-compatibility/2006" xmlns:p14="http://schemas.microsoft.com/office/powerpoint/2010/main">
+    <mc:Choice Requires="p14">
       <p:transition spd="slow">
         <p14:vortex dir="r"/>
       </p:transition>
     </mc:Choice>
-    <mc:Fallback>
+    <mc:Fallback xmlns="">
       <p:transition spd="slow">
         <p:fade/>
       </p:transition>
@@ -18202,13 +18207,13 @@
   <p:clrMapOvr>
     <a:masterClrMapping/>
   </p:clrMapOvr>
-  <mc:AlternateContent xmlns:mc="http://schemas.openxmlformats.org/markup-compatibility/2006">
-    <mc:Choice xmlns:p14="http://schemas.microsoft.com/office/powerpoint/2010/main" Requires="p14">
+  <mc:AlternateContent xmlns:mc="http://schemas.openxmlformats.org/markup-compatibility/2006" xmlns:p14="http://schemas.microsoft.com/office/powerpoint/2010/main">
+    <mc:Choice Requires="p14">
       <p:transition spd="slow">
         <p14:vortex dir="r"/>
       </p:transition>
     </mc:Choice>
-    <mc:Fallback>
+    <mc:Fallback xmlns="">
       <p:transition spd="slow">
         <p:fade/>
       </p:transition>
@@ -21556,13 +21561,13 @@
   <p:clrMapOvr>
     <a:masterClrMapping/>
   </p:clrMapOvr>
-  <mc:AlternateContent xmlns:mc="http://schemas.openxmlformats.org/markup-compatibility/2006">
-    <mc:Choice xmlns:p14="http://schemas.microsoft.com/office/powerpoint/2010/main" Requires="p14">
+  <mc:AlternateContent xmlns:mc="http://schemas.openxmlformats.org/markup-compatibility/2006" xmlns:p14="http://schemas.microsoft.com/office/powerpoint/2010/main">
+    <mc:Choice Requires="p14">
       <p:transition spd="slow">
         <p14:vortex dir="r"/>
       </p:transition>
     </mc:Choice>
-    <mc:Fallback>
+    <mc:Fallback xmlns="">
       <p:transition spd="slow">
         <p:fade/>
       </p:transition>

--- a/Presentation_and_informational_files/Project_4 Presentation_Final.pptx
+++ b/Presentation_and_informational_files/Project_4 Presentation_Final.pptx
@@ -10928,14 +10928,13 @@
         </p:nvPicPr>
         <p:blipFill>
           <a:blip r:embed="rId2"/>
-          <a:stretch>
-            <a:fillRect/>
-          </a:stretch>
+          <a:srcRect/>
+          <a:stretch/>
         </p:blipFill>
         <p:spPr>
           <a:xfrm>
-            <a:off x="5612521" y="505297"/>
-            <a:ext cx="6500112" cy="3607560"/>
+            <a:off x="5855560" y="505297"/>
+            <a:ext cx="6014033" cy="3607560"/>
           </a:xfrm>
           <a:prstGeom prst="rect">
             <a:avLst/>
@@ -12463,13 +12462,8 @@
             </a:pPr>
             <a:r>
               <a:rPr lang="en-US" sz="1200" dirty="0"/>
-              <a:t>Deep Learning models were made for all 4 Loan Groups with the same model design. We first modeled transformed dummy data and later got much higher accuracy scores with actual </a:t>
+              <a:t>Deep Learning models were made for all 4 Loan Groups with the same model design. We first modeled transformed dummy data and later got much higher accuracy scores with actual numerical data.</a:t>
             </a:r>
-            <a:r>
-              <a:rPr lang="en-US" sz="1200"/>
-              <a:t>numerical data.</a:t>
-            </a:r>
-            <a:endParaRPr lang="en-US" sz="1200" dirty="0"/>
           </a:p>
           <a:p>
             <a:pPr marL="285750" indent="-228600" algn="just">
